--- a/docs/figures/figures.pptx
+++ b/docs/figures/figures.pptx
@@ -7,6 +7,7 @@
   <p:sldIdLst>
     <p:sldId id="256" r:id="rId2"/>
     <p:sldId id="257" r:id="rId3"/>
+    <p:sldId id="258" r:id="rId4"/>
   </p:sldIdLst>
   <p:sldSz cx="12192000" cy="6858000"/>
   <p:notesSz cx="6858000" cy="9144000"/>
@@ -105,13 +106,18 @@
       </a:defRPr>
     </a:lvl9pPr>
   </p:defaultTextStyle>
+  <p:extLst>
+    <p:ext uri="{EFAFB233-063F-42B5-8137-9DF3F51BA10A}">
+      <p15:sldGuideLst xmlns:p15="http://schemas.microsoft.com/office/powerpoint/2012/main"/>
+    </p:ext>
+  </p:extLst>
 </p:presentation>
 </file>
 
 <file path=ppt/charts/chart1.xml><?xml version="1.0" encoding="utf-8"?>
 <c:chartSpace xmlns:c="http://schemas.openxmlformats.org/drawingml/2006/chart" xmlns:a="http://schemas.openxmlformats.org/drawingml/2006/main" xmlns:r="http://schemas.openxmlformats.org/officeDocument/2006/relationships" xmlns:c16r2="http://schemas.microsoft.com/office/drawing/2015/06/chart">
   <c:date1904 val="0"/>
-  <c:lang val="el-GR"/>
+  <c:lang val="en-US"/>
   <c:roundedCorners val="0"/>
   <mc:AlternateContent xmlns:mc="http://schemas.openxmlformats.org/markup-compatibility/2006">
     <mc:Choice xmlns:c14="http://schemas.microsoft.com/office/drawing/2007/8/2/chart" Requires="c14">
@@ -182,6 +188,11 @@
                 </a:outerShdw>
               </a:effectLst>
             </c:spPr>
+            <c:extLst>
+              <c:ext xmlns:c16="http://schemas.microsoft.com/office/drawing/2014/chart" uri="{C3380CC4-5D6E-409C-BE32-E72D297353CC}">
+                <c16:uniqueId val="{00000001-2A51-4DA4-9642-9B7776F90D58}"/>
+              </c:ext>
+            </c:extLst>
           </c:dPt>
           <c:dPt>
             <c:idx val="1"/>
@@ -224,6 +235,11 @@
                 </a:outerShdw>
               </a:effectLst>
             </c:spPr>
+            <c:extLst>
+              <c:ext xmlns:c16="http://schemas.microsoft.com/office/drawing/2014/chart" uri="{C3380CC4-5D6E-409C-BE32-E72D297353CC}">
+                <c16:uniqueId val="{00000003-2A51-4DA4-9642-9B7776F90D58}"/>
+              </c:ext>
+            </c:extLst>
           </c:dPt>
           <c:dPt>
             <c:idx val="2"/>
@@ -266,6 +282,11 @@
                 </a:outerShdw>
               </a:effectLst>
             </c:spPr>
+            <c:extLst>
+              <c:ext xmlns:c16="http://schemas.microsoft.com/office/drawing/2014/chart" uri="{C3380CC4-5D6E-409C-BE32-E72D297353CC}">
+                <c16:uniqueId val="{00000005-2A51-4DA4-9642-9B7776F90D58}"/>
+              </c:ext>
+            </c:extLst>
           </c:dPt>
           <c:dPt>
             <c:idx val="3"/>
@@ -311,6 +332,11 @@
                 </a:outerShdw>
               </a:effectLst>
             </c:spPr>
+            <c:extLst>
+              <c:ext xmlns:c16="http://schemas.microsoft.com/office/drawing/2014/chart" uri="{C3380CC4-5D6E-409C-BE32-E72D297353CC}">
+                <c16:uniqueId val="{00000007-2A51-4DA4-9642-9B7776F90D58}"/>
+              </c:ext>
+            </c:extLst>
           </c:dPt>
           <c:dPt>
             <c:idx val="4"/>
@@ -356,6 +382,11 @@
                 </a:outerShdw>
               </a:effectLst>
             </c:spPr>
+            <c:extLst>
+              <c:ext xmlns:c16="http://schemas.microsoft.com/office/drawing/2014/chart" uri="{C3380CC4-5D6E-409C-BE32-E72D297353CC}">
+                <c16:uniqueId val="{00000009-2A51-4DA4-9642-9B7776F90D58}"/>
+              </c:ext>
+            </c:extLst>
           </c:dPt>
           <c:dPt>
             <c:idx val="5"/>
@@ -401,6 +432,11 @@
                 </a:outerShdw>
               </a:effectLst>
             </c:spPr>
+            <c:extLst>
+              <c:ext xmlns:c16="http://schemas.microsoft.com/office/drawing/2014/chart" uri="{C3380CC4-5D6E-409C-BE32-E72D297353CC}">
+                <c16:uniqueId val="{0000000B-2A51-4DA4-9642-9B7776F90D58}"/>
+              </c:ext>
+            </c:extLst>
           </c:dPt>
           <c:dLbls>
             <c:spPr>
@@ -3967,7 +4003,7 @@
           <a:p>
             <a:fld id="{6144F4EA-A5A3-4A72-9733-B8CEE9BCEFB6}" type="datetimeFigureOut">
               <a:rPr lang="en-US" smtClean="0"/>
-              <a:t>4/30/2024</a:t>
+              <a:t>6/11/2024</a:t>
             </a:fld>
             <a:endParaRPr lang="en-US"/>
           </a:p>
@@ -4167,7 +4203,7 @@
           <a:p>
             <a:fld id="{6144F4EA-A5A3-4A72-9733-B8CEE9BCEFB6}" type="datetimeFigureOut">
               <a:rPr lang="en-US" smtClean="0"/>
-              <a:t>4/30/2024</a:t>
+              <a:t>6/11/2024</a:t>
             </a:fld>
             <a:endParaRPr lang="en-US"/>
           </a:p>
@@ -4377,7 +4413,7 @@
           <a:p>
             <a:fld id="{6144F4EA-A5A3-4A72-9733-B8CEE9BCEFB6}" type="datetimeFigureOut">
               <a:rPr lang="en-US" smtClean="0"/>
-              <a:t>4/30/2024</a:t>
+              <a:t>6/11/2024</a:t>
             </a:fld>
             <a:endParaRPr lang="en-US"/>
           </a:p>
@@ -4577,7 +4613,7 @@
           <a:p>
             <a:fld id="{6144F4EA-A5A3-4A72-9733-B8CEE9BCEFB6}" type="datetimeFigureOut">
               <a:rPr lang="en-US" smtClean="0"/>
-              <a:t>4/30/2024</a:t>
+              <a:t>6/11/2024</a:t>
             </a:fld>
             <a:endParaRPr lang="en-US"/>
           </a:p>
@@ -4853,7 +4889,7 @@
           <a:p>
             <a:fld id="{6144F4EA-A5A3-4A72-9733-B8CEE9BCEFB6}" type="datetimeFigureOut">
               <a:rPr lang="en-US" smtClean="0"/>
-              <a:t>4/30/2024</a:t>
+              <a:t>6/11/2024</a:t>
             </a:fld>
             <a:endParaRPr lang="en-US"/>
           </a:p>
@@ -5121,7 +5157,7 @@
           <a:p>
             <a:fld id="{6144F4EA-A5A3-4A72-9733-B8CEE9BCEFB6}" type="datetimeFigureOut">
               <a:rPr lang="en-US" smtClean="0"/>
-              <a:t>4/30/2024</a:t>
+              <a:t>6/11/2024</a:t>
             </a:fld>
             <a:endParaRPr lang="en-US"/>
           </a:p>
@@ -5536,7 +5572,7 @@
           <a:p>
             <a:fld id="{6144F4EA-A5A3-4A72-9733-B8CEE9BCEFB6}" type="datetimeFigureOut">
               <a:rPr lang="en-US" smtClean="0"/>
-              <a:t>4/30/2024</a:t>
+              <a:t>6/11/2024</a:t>
             </a:fld>
             <a:endParaRPr lang="en-US"/>
           </a:p>
@@ -5678,7 +5714,7 @@
           <a:p>
             <a:fld id="{6144F4EA-A5A3-4A72-9733-B8CEE9BCEFB6}" type="datetimeFigureOut">
               <a:rPr lang="en-US" smtClean="0"/>
-              <a:t>4/30/2024</a:t>
+              <a:t>6/11/2024</a:t>
             </a:fld>
             <a:endParaRPr lang="en-US"/>
           </a:p>
@@ -5791,7 +5827,7 @@
           <a:p>
             <a:fld id="{6144F4EA-A5A3-4A72-9733-B8CEE9BCEFB6}" type="datetimeFigureOut">
               <a:rPr lang="en-US" smtClean="0"/>
-              <a:t>4/30/2024</a:t>
+              <a:t>6/11/2024</a:t>
             </a:fld>
             <a:endParaRPr lang="en-US"/>
           </a:p>
@@ -6104,7 +6140,7 @@
           <a:p>
             <a:fld id="{6144F4EA-A5A3-4A72-9733-B8CEE9BCEFB6}" type="datetimeFigureOut">
               <a:rPr lang="en-US" smtClean="0"/>
-              <a:t>4/30/2024</a:t>
+              <a:t>6/11/2024</a:t>
             </a:fld>
             <a:endParaRPr lang="en-US"/>
           </a:p>
@@ -6393,7 +6429,7 @@
           <a:p>
             <a:fld id="{6144F4EA-A5A3-4A72-9733-B8CEE9BCEFB6}" type="datetimeFigureOut">
               <a:rPr lang="en-US" smtClean="0"/>
-              <a:t>4/30/2024</a:t>
+              <a:t>6/11/2024</a:t>
             </a:fld>
             <a:endParaRPr lang="en-US"/>
           </a:p>
@@ -6636,7 +6672,7 @@
           <a:p>
             <a:fld id="{6144F4EA-A5A3-4A72-9733-B8CEE9BCEFB6}" type="datetimeFigureOut">
               <a:rPr lang="en-US" smtClean="0"/>
-              <a:t>4/30/2024</a:t>
+              <a:t>6/11/2024</a:t>
             </a:fld>
             <a:endParaRPr lang="en-US"/>
           </a:p>
@@ -7152,6 +7188,636 @@
 </p:sld>
 </file>
 
+<file path=ppt/slides/slide3.xml><?xml version="1.0" encoding="utf-8"?>
+<p:sld xmlns:a="http://schemas.openxmlformats.org/drawingml/2006/main" xmlns:r="http://schemas.openxmlformats.org/officeDocument/2006/relationships" xmlns:p="http://schemas.openxmlformats.org/presentationml/2006/main">
+  <p:cSld>
+    <p:spTree>
+      <p:nvGrpSpPr>
+        <p:cNvPr id="1" name=""/>
+        <p:cNvGrpSpPr/>
+        <p:nvPr/>
+      </p:nvGrpSpPr>
+      <p:grpSpPr>
+        <a:xfrm>
+          <a:off x="0" y="0"/>
+          <a:ext cx="0" cy="0"/>
+          <a:chOff x="0" y="0"/>
+          <a:chExt cx="0" cy="0"/>
+        </a:xfrm>
+      </p:grpSpPr>
+      <p:grpSp>
+        <p:nvGrpSpPr>
+          <p:cNvPr id="35" name="Group 34">
+            <a:extLst>
+              <a:ext uri="{FF2B5EF4-FFF2-40B4-BE49-F238E27FC236}">
+                <a16:creationId xmlns:a16="http://schemas.microsoft.com/office/drawing/2014/main" id="{2A2C1E54-1C14-8084-5C03-ACD5484095F7}"/>
+              </a:ext>
+            </a:extLst>
+          </p:cNvPr>
+          <p:cNvGrpSpPr/>
+          <p:nvPr/>
+        </p:nvGrpSpPr>
+        <p:grpSpPr>
+          <a:xfrm>
+            <a:off x="973882" y="1159820"/>
+            <a:ext cx="4590273" cy="2712482"/>
+            <a:chOff x="973882" y="1159820"/>
+            <a:chExt cx="4590273" cy="2712482"/>
+          </a:xfrm>
+        </p:grpSpPr>
+        <p:cxnSp>
+          <p:nvCxnSpPr>
+            <p:cNvPr id="32" name="Straight Connector 31">
+              <a:extLst>
+                <a:ext uri="{FF2B5EF4-FFF2-40B4-BE49-F238E27FC236}">
+                  <a16:creationId xmlns:a16="http://schemas.microsoft.com/office/drawing/2014/main" id="{CB72A8EE-146E-A1C8-44E2-6A9A2F3C753D}"/>
+                </a:ext>
+              </a:extLst>
+            </p:cNvPr>
+            <p:cNvCxnSpPr/>
+            <p:nvPr/>
+          </p:nvCxnSpPr>
+          <p:spPr>
+            <a:xfrm flipV="1">
+              <a:off x="4279900" y="2348025"/>
+              <a:ext cx="660400" cy="1080975"/>
+            </a:xfrm>
+            <a:prstGeom prst="line">
+              <a:avLst/>
+            </a:prstGeom>
+            <a:ln w="76200">
+              <a:solidFill>
+                <a:schemeClr val="accent5">
+                  <a:lumMod val="60000"/>
+                  <a:lumOff val="40000"/>
+                </a:schemeClr>
+              </a:solidFill>
+            </a:ln>
+          </p:spPr>
+          <p:style>
+            <a:lnRef idx="2">
+              <a:schemeClr val="accent1"/>
+            </a:lnRef>
+            <a:fillRef idx="0">
+              <a:schemeClr val="accent1"/>
+            </a:fillRef>
+            <a:effectRef idx="1">
+              <a:schemeClr val="accent1"/>
+            </a:effectRef>
+            <a:fontRef idx="minor">
+              <a:schemeClr val="tx1"/>
+            </a:fontRef>
+          </p:style>
+        </p:cxnSp>
+        <p:cxnSp>
+          <p:nvCxnSpPr>
+            <p:cNvPr id="30" name="Straight Connector 29">
+              <a:extLst>
+                <a:ext uri="{FF2B5EF4-FFF2-40B4-BE49-F238E27FC236}">
+                  <a16:creationId xmlns:a16="http://schemas.microsoft.com/office/drawing/2014/main" id="{498D1187-990C-34E2-16A4-F03C9BE5BE59}"/>
+                </a:ext>
+              </a:extLst>
+            </p:cNvPr>
+            <p:cNvCxnSpPr/>
+            <p:nvPr/>
+          </p:nvCxnSpPr>
+          <p:spPr>
+            <a:xfrm flipH="1" flipV="1">
+              <a:off x="3196388" y="1655632"/>
+              <a:ext cx="663183" cy="1384787"/>
+            </a:xfrm>
+            <a:prstGeom prst="line">
+              <a:avLst/>
+            </a:prstGeom>
+            <a:ln w="76200">
+              <a:solidFill>
+                <a:schemeClr val="accent1">
+                  <a:lumMod val="60000"/>
+                  <a:lumOff val="40000"/>
+                </a:schemeClr>
+              </a:solidFill>
+              <a:prstDash val="sysDot"/>
+            </a:ln>
+          </p:spPr>
+          <p:style>
+            <a:lnRef idx="2">
+              <a:schemeClr val="accent1"/>
+            </a:lnRef>
+            <a:fillRef idx="0">
+              <a:schemeClr val="accent1"/>
+            </a:fillRef>
+            <a:effectRef idx="1">
+              <a:schemeClr val="accent1"/>
+            </a:effectRef>
+            <a:fontRef idx="minor">
+              <a:schemeClr val="tx1"/>
+            </a:fontRef>
+          </p:style>
+        </p:cxnSp>
+        <p:cxnSp>
+          <p:nvCxnSpPr>
+            <p:cNvPr id="27" name="Straight Connector 26">
+              <a:extLst>
+                <a:ext uri="{FF2B5EF4-FFF2-40B4-BE49-F238E27FC236}">
+                  <a16:creationId xmlns:a16="http://schemas.microsoft.com/office/drawing/2014/main" id="{F03142B9-295C-02C3-7DC7-0ED43CC0ACEF}"/>
+                </a:ext>
+              </a:extLst>
+            </p:cNvPr>
+            <p:cNvCxnSpPr>
+              <a:cxnSpLocks/>
+            </p:cNvCxnSpPr>
+            <p:nvPr/>
+          </p:nvCxnSpPr>
+          <p:spPr>
+            <a:xfrm>
+              <a:off x="2534041" y="3155950"/>
+              <a:ext cx="869559" cy="381000"/>
+            </a:xfrm>
+            <a:prstGeom prst="line">
+              <a:avLst/>
+            </a:prstGeom>
+            <a:ln w="76200">
+              <a:solidFill>
+                <a:schemeClr val="accent1">
+                  <a:lumMod val="60000"/>
+                  <a:lumOff val="40000"/>
+                </a:schemeClr>
+              </a:solidFill>
+            </a:ln>
+          </p:spPr>
+          <p:style>
+            <a:lnRef idx="2">
+              <a:schemeClr val="accent1"/>
+            </a:lnRef>
+            <a:fillRef idx="0">
+              <a:schemeClr val="accent1"/>
+            </a:fillRef>
+            <a:effectRef idx="1">
+              <a:schemeClr val="accent1"/>
+            </a:effectRef>
+            <a:fontRef idx="minor">
+              <a:schemeClr val="tx1"/>
+            </a:fontRef>
+          </p:style>
+        </p:cxnSp>
+        <p:pic>
+          <p:nvPicPr>
+            <p:cNvPr id="6" name="Graphic 5" descr="Computer with solid fill">
+              <a:extLst>
+                <a:ext uri="{FF2B5EF4-FFF2-40B4-BE49-F238E27FC236}">
+                  <a16:creationId xmlns:a16="http://schemas.microsoft.com/office/drawing/2014/main" id="{E71E9625-13CC-8625-0EA3-3BE07F5077C2}"/>
+                </a:ext>
+              </a:extLst>
+            </p:cNvPr>
+            <p:cNvPicPr>
+              <a:picLocks noChangeAspect="1"/>
+            </p:cNvPicPr>
+            <p:nvPr/>
+          </p:nvPicPr>
+          <p:blipFill>
+            <a:blip r:embed="rId2">
+              <a:extLst>
+                <a:ext uri="{28A0092B-C50C-407E-A947-70E740481C1C}">
+                  <a14:useLocalDpi xmlns:a14="http://schemas.microsoft.com/office/drawing/2010/main" val="0"/>
+                </a:ext>
+                <a:ext uri="{96DAC541-7B7A-43D3-8B79-37D633B846F1}">
+                  <asvg:svgBlip xmlns:asvg="http://schemas.microsoft.com/office/drawing/2016/SVG/main" r:embed="rId3"/>
+                </a:ext>
+              </a:extLst>
+            </a:blip>
+            <a:stretch>
+              <a:fillRect/>
+            </a:stretch>
+          </p:blipFill>
+          <p:spPr>
+            <a:xfrm>
+              <a:off x="973882" y="2208537"/>
+              <a:ext cx="1663765" cy="1663765"/>
+            </a:xfrm>
+            <a:prstGeom prst="rect">
+              <a:avLst/>
+            </a:prstGeom>
+          </p:spPr>
+        </p:pic>
+        <p:pic>
+          <p:nvPicPr>
+            <p:cNvPr id="8" name="Graphic 7" descr="Detective male with solid fill">
+              <a:extLst>
+                <a:ext uri="{FF2B5EF4-FFF2-40B4-BE49-F238E27FC236}">
+                  <a16:creationId xmlns:a16="http://schemas.microsoft.com/office/drawing/2014/main" id="{EF8C1C88-8BFF-600E-2BDF-7CEE25F478EC}"/>
+                </a:ext>
+              </a:extLst>
+            </p:cNvPr>
+            <p:cNvPicPr>
+              <a:picLocks noChangeAspect="1"/>
+            </p:cNvPicPr>
+            <p:nvPr/>
+          </p:nvPicPr>
+          <p:blipFill>
+            <a:blip r:embed="rId4">
+              <a:extLst>
+                <a:ext uri="{28A0092B-C50C-407E-A947-70E740481C1C}">
+                  <a14:useLocalDpi xmlns:a14="http://schemas.microsoft.com/office/drawing/2010/main" val="0"/>
+                </a:ext>
+                <a:ext uri="{96DAC541-7B7A-43D3-8B79-37D633B846F1}">
+                  <asvg:svgBlip xmlns:asvg="http://schemas.microsoft.com/office/drawing/2016/SVG/main" r:embed="rId5"/>
+                </a:ext>
+              </a:extLst>
+            </a:blip>
+            <a:stretch>
+              <a:fillRect/>
+            </a:stretch>
+          </p:blipFill>
+          <p:spPr>
+            <a:xfrm>
+              <a:off x="4649755" y="1582950"/>
+              <a:ext cx="914400" cy="914400"/>
+            </a:xfrm>
+            <a:prstGeom prst="rect">
+              <a:avLst/>
+            </a:prstGeom>
+          </p:spPr>
+        </p:pic>
+        <p:pic>
+          <p:nvPicPr>
+            <p:cNvPr id="10" name="Graphic 9" descr="Wireless router with solid fill">
+              <a:extLst>
+                <a:ext uri="{FF2B5EF4-FFF2-40B4-BE49-F238E27FC236}">
+                  <a16:creationId xmlns:a16="http://schemas.microsoft.com/office/drawing/2014/main" id="{540E6C03-69EB-6208-C335-1DB2D40C1A1C}"/>
+                </a:ext>
+              </a:extLst>
+            </p:cNvPr>
+            <p:cNvPicPr>
+              <a:picLocks noChangeAspect="1"/>
+            </p:cNvPicPr>
+            <p:nvPr/>
+          </p:nvPicPr>
+          <p:blipFill>
+            <a:blip r:embed="rId6">
+              <a:extLst>
+                <a:ext uri="{28A0092B-C50C-407E-A947-70E740481C1C}">
+                  <a14:useLocalDpi xmlns:a14="http://schemas.microsoft.com/office/drawing/2010/main" val="0"/>
+                </a:ext>
+                <a:ext uri="{96DAC541-7B7A-43D3-8B79-37D633B846F1}">
+                  <asvg:svgBlip xmlns:asvg="http://schemas.microsoft.com/office/drawing/2016/SVG/main" r:embed="rId7"/>
+                </a:ext>
+              </a:extLst>
+            </a:blip>
+            <a:stretch>
+              <a:fillRect/>
+            </a:stretch>
+          </p:blipFill>
+          <p:spPr>
+            <a:xfrm>
+              <a:off x="3196388" y="2543566"/>
+              <a:ext cx="1326367" cy="1326367"/>
+            </a:xfrm>
+            <a:prstGeom prst="rect">
+              <a:avLst/>
+            </a:prstGeom>
+          </p:spPr>
+        </p:pic>
+        <p:pic>
+          <p:nvPicPr>
+            <p:cNvPr id="12" name="Graphic 11" descr="Web cam with solid fill">
+              <a:extLst>
+                <a:ext uri="{FF2B5EF4-FFF2-40B4-BE49-F238E27FC236}">
+                  <a16:creationId xmlns:a16="http://schemas.microsoft.com/office/drawing/2014/main" id="{7F547297-2FC4-33B4-E493-0AAF7DF4184E}"/>
+                </a:ext>
+              </a:extLst>
+            </p:cNvPr>
+            <p:cNvPicPr>
+              <a:picLocks noChangeAspect="1"/>
+            </p:cNvPicPr>
+            <p:nvPr/>
+          </p:nvPicPr>
+          <p:blipFill>
+            <a:blip r:embed="rId8">
+              <a:extLst>
+                <a:ext uri="{28A0092B-C50C-407E-A947-70E740481C1C}">
+                  <a14:useLocalDpi xmlns:a14="http://schemas.microsoft.com/office/drawing/2010/main" val="0"/>
+                </a:ext>
+                <a:ext uri="{96DAC541-7B7A-43D3-8B79-37D633B846F1}">
+                  <asvg:svgBlip xmlns:asvg="http://schemas.microsoft.com/office/drawing/2016/SVG/main" r:embed="rId9"/>
+                </a:ext>
+              </a:extLst>
+            </a:blip>
+            <a:stretch>
+              <a:fillRect/>
+            </a:stretch>
+          </p:blipFill>
+          <p:spPr>
+            <a:xfrm>
+              <a:off x="2637647" y="1159820"/>
+              <a:ext cx="846261" cy="846261"/>
+            </a:xfrm>
+            <a:prstGeom prst="rect">
+              <a:avLst/>
+            </a:prstGeom>
+          </p:spPr>
+        </p:pic>
+        <p:cxnSp>
+          <p:nvCxnSpPr>
+            <p:cNvPr id="16" name="Straight Arrow Connector 15">
+              <a:extLst>
+                <a:ext uri="{FF2B5EF4-FFF2-40B4-BE49-F238E27FC236}">
+                  <a16:creationId xmlns:a16="http://schemas.microsoft.com/office/drawing/2014/main" id="{69A87948-12E5-B94E-0E10-2E63E4570919}"/>
+                </a:ext>
+              </a:extLst>
+            </p:cNvPr>
+            <p:cNvCxnSpPr>
+              <a:cxnSpLocks/>
+            </p:cNvCxnSpPr>
+            <p:nvPr/>
+          </p:nvCxnSpPr>
+          <p:spPr>
+            <a:xfrm flipH="1" flipV="1">
+              <a:off x="3323388" y="1530350"/>
+              <a:ext cx="1445462" cy="603250"/>
+            </a:xfrm>
+            <a:prstGeom prst="straightConnector1">
+              <a:avLst/>
+            </a:prstGeom>
+            <a:ln w="57150">
+              <a:solidFill>
+                <a:srgbClr val="FF0000"/>
+              </a:solidFill>
+              <a:tailEnd type="triangle"/>
+            </a:ln>
+          </p:spPr>
+          <p:style>
+            <a:lnRef idx="2">
+              <a:schemeClr val="accent1"/>
+            </a:lnRef>
+            <a:fillRef idx="0">
+              <a:schemeClr val="accent1"/>
+            </a:fillRef>
+            <a:effectRef idx="1">
+              <a:schemeClr val="accent1"/>
+            </a:effectRef>
+            <a:fontRef idx="minor">
+              <a:schemeClr val="tx1"/>
+            </a:fontRef>
+          </p:style>
+        </p:cxnSp>
+        <p:sp>
+          <p:nvSpPr>
+            <p:cNvPr id="19" name="TextBox 18">
+              <a:extLst>
+                <a:ext uri="{FF2B5EF4-FFF2-40B4-BE49-F238E27FC236}">
+                  <a16:creationId xmlns:a16="http://schemas.microsoft.com/office/drawing/2014/main" id="{0A24FA00-0B22-00DC-CB89-FAB361B761D4}"/>
+                </a:ext>
+              </a:extLst>
+            </p:cNvPr>
+            <p:cNvSpPr txBox="1"/>
+            <p:nvPr/>
+          </p:nvSpPr>
+          <p:spPr>
+            <a:xfrm rot="1362232">
+              <a:off x="3791408" y="1594116"/>
+              <a:ext cx="866456" cy="369332"/>
+            </a:xfrm>
+            <a:prstGeom prst="rect">
+              <a:avLst/>
+            </a:prstGeom>
+            <a:noFill/>
+          </p:spPr>
+          <p:txBody>
+            <a:bodyPr wrap="none" rtlCol="0">
+              <a:spAutoFit/>
+            </a:bodyPr>
+            <a:lstStyle/>
+            <a:p>
+              <a:r>
+                <a:rPr lang="en-US" b="1" dirty="0">
+                  <a:solidFill>
+                    <a:srgbClr val="FF0000"/>
+                  </a:solidFill>
+                </a:rPr>
+                <a:t>Attack</a:t>
+              </a:r>
+            </a:p>
+          </p:txBody>
+        </p:sp>
+        <p:sp>
+          <p:nvSpPr>
+            <p:cNvPr id="20" name="TextBox 19">
+              <a:extLst>
+                <a:ext uri="{FF2B5EF4-FFF2-40B4-BE49-F238E27FC236}">
+                  <a16:creationId xmlns:a16="http://schemas.microsoft.com/office/drawing/2014/main" id="{3E82486B-6983-C755-89A0-381EA37E0F2D}"/>
+                </a:ext>
+              </a:extLst>
+            </p:cNvPr>
+            <p:cNvSpPr txBox="1"/>
+            <p:nvPr/>
+          </p:nvSpPr>
+          <p:spPr>
+            <a:xfrm>
+              <a:off x="2670252" y="1633553"/>
+              <a:ext cx="781050" cy="461665"/>
+            </a:xfrm>
+            <a:prstGeom prst="rect">
+              <a:avLst/>
+            </a:prstGeom>
+            <a:noFill/>
+          </p:spPr>
+          <p:txBody>
+            <a:bodyPr wrap="square" rtlCol="0">
+              <a:spAutoFit/>
+            </a:bodyPr>
+            <a:lstStyle/>
+            <a:p>
+              <a:r>
+                <a:rPr lang="en-US" sz="1200" b="1" dirty="0"/>
+                <a:t>IP Camera</a:t>
+              </a:r>
+            </a:p>
+          </p:txBody>
+        </p:sp>
+        <p:cxnSp>
+          <p:nvCxnSpPr>
+            <p:cNvPr id="22" name="Straight Arrow Connector 21">
+              <a:extLst>
+                <a:ext uri="{FF2B5EF4-FFF2-40B4-BE49-F238E27FC236}">
+                  <a16:creationId xmlns:a16="http://schemas.microsoft.com/office/drawing/2014/main" id="{0A751F44-4BC0-B051-CFD4-3F6455F74DEA}"/>
+                </a:ext>
+              </a:extLst>
+            </p:cNvPr>
+            <p:cNvCxnSpPr>
+              <a:stCxn id="20" idx="1"/>
+            </p:cNvCxnSpPr>
+            <p:nvPr/>
+          </p:nvCxnSpPr>
+          <p:spPr>
+            <a:xfrm flipH="1">
+              <a:off x="1805764" y="1864386"/>
+              <a:ext cx="864488" cy="688314"/>
+            </a:xfrm>
+            <a:prstGeom prst="straightConnector1">
+              <a:avLst/>
+            </a:prstGeom>
+            <a:ln w="57150">
+              <a:solidFill>
+                <a:schemeClr val="accent3">
+                  <a:lumMod val="60000"/>
+                  <a:lumOff val="40000"/>
+                </a:schemeClr>
+              </a:solidFill>
+              <a:prstDash val="sysDot"/>
+              <a:tailEnd type="triangle"/>
+            </a:ln>
+          </p:spPr>
+          <p:style>
+            <a:lnRef idx="2">
+              <a:schemeClr val="accent3"/>
+            </a:lnRef>
+            <a:fillRef idx="0">
+              <a:schemeClr val="accent3"/>
+            </a:fillRef>
+            <a:effectRef idx="1">
+              <a:schemeClr val="accent3"/>
+            </a:effectRef>
+            <a:fontRef idx="minor">
+              <a:schemeClr val="tx1"/>
+            </a:fontRef>
+          </p:style>
+        </p:cxnSp>
+        <p:sp>
+          <p:nvSpPr>
+            <p:cNvPr id="23" name="TextBox 22">
+              <a:extLst>
+                <a:ext uri="{FF2B5EF4-FFF2-40B4-BE49-F238E27FC236}">
+                  <a16:creationId xmlns:a16="http://schemas.microsoft.com/office/drawing/2014/main" id="{DDB916F7-A08E-BA0E-C85B-597B68B738F8}"/>
+                </a:ext>
+              </a:extLst>
+            </p:cNvPr>
+            <p:cNvSpPr txBox="1"/>
+            <p:nvPr/>
+          </p:nvSpPr>
+          <p:spPr>
+            <a:xfrm rot="19300536">
+              <a:off x="1759684" y="1957253"/>
+              <a:ext cx="1047659" cy="215444"/>
+            </a:xfrm>
+            <a:prstGeom prst="rect">
+              <a:avLst/>
+            </a:prstGeom>
+            <a:noFill/>
+          </p:spPr>
+          <p:txBody>
+            <a:bodyPr wrap="square" rtlCol="0">
+              <a:spAutoFit/>
+            </a:bodyPr>
+            <a:lstStyle/>
+            <a:p>
+              <a:r>
+                <a:rPr lang="en-US" sz="800" b="1" dirty="0">
+                  <a:solidFill>
+                    <a:schemeClr val="accent3">
+                      <a:lumMod val="75000"/>
+                    </a:schemeClr>
+                  </a:solidFill>
+                </a:rPr>
+                <a:t>Temperature Data</a:t>
+              </a:r>
+            </a:p>
+          </p:txBody>
+        </p:sp>
+        <p:pic>
+          <p:nvPicPr>
+            <p:cNvPr id="25" name="Graphic 24" descr="Bar chart with solid fill">
+              <a:extLst>
+                <a:ext uri="{FF2B5EF4-FFF2-40B4-BE49-F238E27FC236}">
+                  <a16:creationId xmlns:a16="http://schemas.microsoft.com/office/drawing/2014/main" id="{924E9165-F006-96E6-A212-65333A23FCF0}"/>
+                </a:ext>
+              </a:extLst>
+            </p:cNvPr>
+            <p:cNvPicPr>
+              <a:picLocks noChangeAspect="1"/>
+            </p:cNvPicPr>
+            <p:nvPr/>
+          </p:nvPicPr>
+          <p:blipFill>
+            <a:blip r:embed="rId10">
+              <a:extLst>
+                <a:ext uri="{28A0092B-C50C-407E-A947-70E740481C1C}">
+                  <a14:useLocalDpi xmlns:a14="http://schemas.microsoft.com/office/drawing/2010/main" val="0"/>
+                </a:ext>
+                <a:ext uri="{96DAC541-7B7A-43D3-8B79-37D633B846F1}">
+                  <asvg:svgBlip xmlns:asvg="http://schemas.microsoft.com/office/drawing/2016/SVG/main" r:embed="rId11"/>
+                </a:ext>
+              </a:extLst>
+            </a:blip>
+            <a:stretch>
+              <a:fillRect/>
+            </a:stretch>
+          </p:blipFill>
+          <p:spPr>
+            <a:xfrm>
+              <a:off x="1149350" y="2660650"/>
+              <a:ext cx="774700" cy="546100"/>
+            </a:xfrm>
+            <a:prstGeom prst="rect">
+              <a:avLst/>
+            </a:prstGeom>
+          </p:spPr>
+        </p:pic>
+        <p:sp>
+          <p:nvSpPr>
+            <p:cNvPr id="33" name="TextBox 32">
+              <a:extLst>
+                <a:ext uri="{FF2B5EF4-FFF2-40B4-BE49-F238E27FC236}">
+                  <a16:creationId xmlns:a16="http://schemas.microsoft.com/office/drawing/2014/main" id="{B92E7B9E-5E84-E841-0BE3-E950D80B4838}"/>
+                </a:ext>
+              </a:extLst>
+            </p:cNvPr>
+            <p:cNvSpPr txBox="1"/>
+            <p:nvPr/>
+          </p:nvSpPr>
+          <p:spPr>
+            <a:xfrm rot="18090351">
+              <a:off x="3927778" y="2770990"/>
+              <a:ext cx="1682144" cy="261610"/>
+            </a:xfrm>
+            <a:prstGeom prst="rect">
+              <a:avLst/>
+            </a:prstGeom>
+            <a:noFill/>
+          </p:spPr>
+          <p:txBody>
+            <a:bodyPr wrap="square" rtlCol="0">
+              <a:spAutoFit/>
+            </a:bodyPr>
+            <a:lstStyle/>
+            <a:p>
+              <a:r>
+                <a:rPr lang="en-US" sz="1050" b="1" dirty="0">
+                  <a:solidFill>
+                    <a:schemeClr val="accent5">
+                      <a:lumMod val="60000"/>
+                      <a:lumOff val="40000"/>
+                    </a:schemeClr>
+                  </a:solidFill>
+                </a:rPr>
+                <a:t>Unauthorized Access</a:t>
+              </a:r>
+            </a:p>
+          </p:txBody>
+        </p:sp>
+      </p:grpSp>
+    </p:spTree>
+    <p:extLst>
+      <p:ext uri="{BB962C8B-B14F-4D97-AF65-F5344CB8AC3E}">
+        <p14:creationId xmlns:p14="http://schemas.microsoft.com/office/powerpoint/2010/main" val="3916749123"/>
+      </p:ext>
+    </p:extLst>
+  </p:cSld>
+  <p:clrMapOvr>
+    <a:masterClrMapping/>
+  </p:clrMapOvr>
+</p:sld>
+</file>
+
 <file path=ppt/theme/theme1.xml><?xml version="1.0" encoding="utf-8"?>
 <a:theme xmlns:a="http://schemas.openxmlformats.org/drawingml/2006/main" name="Θέμα του Office">
   <a:themeElements>
